--- a/凡事都有神的美意.pptx
+++ b/凡事都有神的美意.pptx
@@ -2,7 +2,7 @@
 <file path=ppt/presentation.xml><?xml version="1.0" encoding="utf-8"?>
 <p:presentation xmlns:a="http://schemas.openxmlformats.org/drawingml/2006/main" xmlns:r="http://schemas.openxmlformats.org/officeDocument/2006/relationships" xmlns:p="http://schemas.openxmlformats.org/presentationml/2006/main" saveSubsetFonts="1">
   <p:sldMasterIdLst>
-    <p:sldMasterId id="2147483648" r:id="rId1"/>
+    <p:sldMasterId id="2147483660" r:id="rId1"/>
   </p:sldMasterIdLst>
   <p:sldIdLst>
     <p:sldId id="256" r:id="rId2"/>
@@ -292,7 +292,7 @@
             <a:fld id="{03DDCF8F-CEEE-4BB3-8735-66DB5F7EC32D}" type="datetimeFigureOut">
               <a:rPr lang="zh-TW" altLang="en-US" smtClean="0"/>
               <a:pPr/>
-              <a:t>2017/12/14</a:t>
+              <a:t>2019/2/23</a:t>
             </a:fld>
             <a:endParaRPr lang="zh-TW" altLang="en-US"/>
           </a:p>
@@ -459,7 +459,7 @@
             <a:fld id="{03DDCF8F-CEEE-4BB3-8735-66DB5F7EC32D}" type="datetimeFigureOut">
               <a:rPr lang="zh-TW" altLang="en-US" smtClean="0"/>
               <a:pPr/>
-              <a:t>2017/12/14</a:t>
+              <a:t>2019/2/23</a:t>
             </a:fld>
             <a:endParaRPr lang="zh-TW" altLang="en-US"/>
           </a:p>
@@ -636,7 +636,7 @@
             <a:fld id="{03DDCF8F-CEEE-4BB3-8735-66DB5F7EC32D}" type="datetimeFigureOut">
               <a:rPr lang="zh-TW" altLang="en-US" smtClean="0"/>
               <a:pPr/>
-              <a:t>2017/12/14</a:t>
+              <a:t>2019/2/23</a:t>
             </a:fld>
             <a:endParaRPr lang="zh-TW" altLang="en-US"/>
           </a:p>
@@ -803,7 +803,7 @@
             <a:fld id="{03DDCF8F-CEEE-4BB3-8735-66DB5F7EC32D}" type="datetimeFigureOut">
               <a:rPr lang="zh-TW" altLang="en-US" smtClean="0"/>
               <a:pPr/>
-              <a:t>2017/12/14</a:t>
+              <a:t>2019/2/23</a:t>
             </a:fld>
             <a:endParaRPr lang="zh-TW" altLang="en-US"/>
           </a:p>
@@ -1046,7 +1046,7 @@
             <a:fld id="{03DDCF8F-CEEE-4BB3-8735-66DB5F7EC32D}" type="datetimeFigureOut">
               <a:rPr lang="zh-TW" altLang="en-US" smtClean="0"/>
               <a:pPr/>
-              <a:t>2017/12/14</a:t>
+              <a:t>2019/2/23</a:t>
             </a:fld>
             <a:endParaRPr lang="zh-TW" altLang="en-US"/>
           </a:p>
@@ -1331,7 +1331,7 @@
             <a:fld id="{03DDCF8F-CEEE-4BB3-8735-66DB5F7EC32D}" type="datetimeFigureOut">
               <a:rPr lang="zh-TW" altLang="en-US" smtClean="0"/>
               <a:pPr/>
-              <a:t>2017/12/14</a:t>
+              <a:t>2019/2/23</a:t>
             </a:fld>
             <a:endParaRPr lang="zh-TW" altLang="en-US"/>
           </a:p>
@@ -1750,7 +1750,7 @@
             <a:fld id="{03DDCF8F-CEEE-4BB3-8735-66DB5F7EC32D}" type="datetimeFigureOut">
               <a:rPr lang="zh-TW" altLang="en-US" smtClean="0"/>
               <a:pPr/>
-              <a:t>2017/12/14</a:t>
+              <a:t>2019/2/23</a:t>
             </a:fld>
             <a:endParaRPr lang="zh-TW" altLang="en-US"/>
           </a:p>
@@ -1865,7 +1865,7 @@
             <a:fld id="{03DDCF8F-CEEE-4BB3-8735-66DB5F7EC32D}" type="datetimeFigureOut">
               <a:rPr lang="zh-TW" altLang="en-US" smtClean="0"/>
               <a:pPr/>
-              <a:t>2017/12/14</a:t>
+              <a:t>2019/2/23</a:t>
             </a:fld>
             <a:endParaRPr lang="zh-TW" altLang="en-US"/>
           </a:p>
@@ -1957,7 +1957,7 @@
             <a:fld id="{03DDCF8F-CEEE-4BB3-8735-66DB5F7EC32D}" type="datetimeFigureOut">
               <a:rPr lang="zh-TW" altLang="en-US" smtClean="0"/>
               <a:pPr/>
-              <a:t>2017/12/14</a:t>
+              <a:t>2019/2/23</a:t>
             </a:fld>
             <a:endParaRPr lang="zh-TW" altLang="en-US"/>
           </a:p>
@@ -2231,7 +2231,7 @@
             <a:fld id="{03DDCF8F-CEEE-4BB3-8735-66DB5F7EC32D}" type="datetimeFigureOut">
               <a:rPr lang="zh-TW" altLang="en-US" smtClean="0"/>
               <a:pPr/>
-              <a:t>2017/12/14</a:t>
+              <a:t>2019/2/23</a:t>
             </a:fld>
             <a:endParaRPr lang="zh-TW" altLang="en-US"/>
           </a:p>
@@ -2394,6 +2394,10 @@
             </a:lvl9pPr>
           </a:lstStyle>
           <a:p>
+            <a:r>
+              <a:rPr lang="zh-TW" altLang="en-US" smtClean="0"/>
+              <a:t>按一下圖示以新增圖片</a:t>
+            </a:r>
             <a:endParaRPr lang="zh-TW" altLang="en-US"/>
           </a:p>
         </p:txBody>
@@ -2481,7 +2485,7 @@
             <a:fld id="{03DDCF8F-CEEE-4BB3-8735-66DB5F7EC32D}" type="datetimeFigureOut">
               <a:rPr lang="zh-TW" altLang="en-US" smtClean="0"/>
               <a:pPr/>
-              <a:t>2017/12/14</a:t>
+              <a:t>2019/2/23</a:t>
             </a:fld>
             <a:endParaRPr lang="zh-TW" altLang="en-US"/>
           </a:p>
@@ -2542,9 +2546,14 @@
 <p:sldMaster xmlns:a="http://schemas.openxmlformats.org/drawingml/2006/main" xmlns:r="http://schemas.openxmlformats.org/officeDocument/2006/relationships" xmlns:p="http://schemas.openxmlformats.org/presentationml/2006/main">
   <p:cSld>
     <p:bg>
-      <p:bgRef idx="1001">
-        <a:schemeClr val="bg1"/>
-      </p:bgRef>
+      <p:bgPr>
+        <a:blipFill dpi="0" rotWithShape="1">
+          <a:blip r:embed="rId13"/>
+          <a:srcRect/>
+          <a:tile tx="0" ty="0" sx="100000" sy="100000" flip="none" algn="tl"/>
+        </a:blipFill>
+        <a:effectLst/>
+      </p:bgPr>
     </p:bg>
     <p:spTree>
       <p:nvGrpSpPr>
@@ -2691,7 +2700,7 @@
             <a:fld id="{03DDCF8F-CEEE-4BB3-8735-66DB5F7EC32D}" type="datetimeFigureOut">
               <a:rPr lang="zh-TW" altLang="en-US" smtClean="0"/>
               <a:pPr/>
-              <a:t>2017/12/14</a:t>
+              <a:t>2019/2/23</a:t>
             </a:fld>
             <a:endParaRPr lang="zh-TW" altLang="en-US"/>
           </a:p>
@@ -2780,17 +2789,17 @@
   </p:cSld>
   <p:clrMap bg1="lt1" tx1="dk1" bg2="lt2" tx2="dk2" accent1="accent1" accent2="accent2" accent3="accent3" accent4="accent4" accent5="accent5" accent6="accent6" hlink="hlink" folHlink="folHlink"/>
   <p:sldLayoutIdLst>
-    <p:sldLayoutId id="2147483649" r:id="rId1"/>
-    <p:sldLayoutId id="2147483650" r:id="rId2"/>
-    <p:sldLayoutId id="2147483651" r:id="rId3"/>
-    <p:sldLayoutId id="2147483652" r:id="rId4"/>
-    <p:sldLayoutId id="2147483653" r:id="rId5"/>
-    <p:sldLayoutId id="2147483654" r:id="rId6"/>
-    <p:sldLayoutId id="2147483655" r:id="rId7"/>
-    <p:sldLayoutId id="2147483656" r:id="rId8"/>
-    <p:sldLayoutId id="2147483657" r:id="rId9"/>
-    <p:sldLayoutId id="2147483658" r:id="rId10"/>
-    <p:sldLayoutId id="2147483659" r:id="rId11"/>
+    <p:sldLayoutId id="2147483661" r:id="rId1"/>
+    <p:sldLayoutId id="2147483662" r:id="rId2"/>
+    <p:sldLayoutId id="2147483663" r:id="rId3"/>
+    <p:sldLayoutId id="2147483664" r:id="rId4"/>
+    <p:sldLayoutId id="2147483665" r:id="rId5"/>
+    <p:sldLayoutId id="2147483666" r:id="rId6"/>
+    <p:sldLayoutId id="2147483667" r:id="rId7"/>
+    <p:sldLayoutId id="2147483668" r:id="rId8"/>
+    <p:sldLayoutId id="2147483669" r:id="rId9"/>
+    <p:sldLayoutId id="2147483670" r:id="rId10"/>
+    <p:sldLayoutId id="2147483671" r:id="rId11"/>
   </p:sldLayoutIdLst>
   <p:txStyles>
     <p:titleStyle>
@@ -3864,7 +3873,7 @@
 </file>
 
 <file path=ppt/theme/theme1.xml><?xml version="1.0" encoding="utf-8"?>
-<a:theme xmlns:a="http://schemas.openxmlformats.org/drawingml/2006/main" name="Office 佈景主題">
+<a:theme xmlns:a="http://schemas.openxmlformats.org/drawingml/2006/main" name="佈景主題1">
   <a:themeElements>
     <a:clrScheme name="Office">
       <a:dk1>

--- a/凡事都有神的美意.pptx
+++ b/凡事都有神的美意.pptx
@@ -6,11 +6,9 @@
   </p:sldMasterIdLst>
   <p:sldIdLst>
     <p:sldId id="256" r:id="rId2"/>
-    <p:sldId id="257" r:id="rId3"/>
-    <p:sldId id="258" r:id="rId4"/>
-    <p:sldId id="259" r:id="rId5"/>
+    <p:sldId id="258" r:id="rId3"/>
   </p:sldIdLst>
-  <p:sldSz cx="9144000" cy="6858000" type="screen4x3"/>
+  <p:sldSz cx="12192000" cy="6858000"/>
   <p:notesSz cx="6858000" cy="9144000"/>
   <p:defaultTextStyle>
     <a:defPPr>
@@ -107,6 +105,22 @@
       </a:defRPr>
     </a:lvl9pPr>
   </p:defaultTextStyle>
+  <p:extLst>
+    <p:ext uri="{EFAFB233-063F-42B5-8137-9DF3F51BA10A}">
+      <p15:sldGuideLst xmlns:p15="http://schemas.microsoft.com/office/powerpoint/2012/main">
+        <p15:guide id="1" orient="horz" pos="2160" userDrawn="1">
+          <p15:clr>
+            <a:srgbClr val="A4A3A4"/>
+          </p15:clr>
+        </p15:guide>
+        <p15:guide id="2" pos="3840" userDrawn="1">
+          <p15:clr>
+            <a:srgbClr val="A4A3A4"/>
+          </p15:clr>
+        </p15:guide>
+      </p15:sldGuideLst>
+    </p:ext>
+  </p:extLst>
 </p:presentation>
 </file>
 
@@ -139,8 +153,8 @@
         </p:nvSpPr>
         <p:spPr>
           <a:xfrm>
-            <a:off x="685800" y="2130425"/>
-            <a:ext cx="7772400" cy="1470025"/>
+            <a:off x="914400" y="2130426"/>
+            <a:ext cx="10363200" cy="1470025"/>
           </a:xfrm>
         </p:spPr>
         <p:txBody>
@@ -167,8 +181,8 @@
         </p:nvSpPr>
         <p:spPr>
           <a:xfrm>
-            <a:off x="1371600" y="3886200"/>
-            <a:ext cx="6400800" cy="1752600"/>
+            <a:off x="1828800" y="3886200"/>
+            <a:ext cx="8534400" cy="1752600"/>
           </a:xfrm>
         </p:spPr>
         <p:txBody>
@@ -292,7 +306,7 @@
             <a:fld id="{03DDCF8F-CEEE-4BB3-8735-66DB5F7EC32D}" type="datetimeFigureOut">
               <a:rPr lang="zh-TW" altLang="en-US" smtClean="0"/>
               <a:pPr/>
-              <a:t>2019/2/23</a:t>
+              <a:t>2020/7/5</a:t>
             </a:fld>
             <a:endParaRPr lang="zh-TW" altLang="en-US"/>
           </a:p>
@@ -459,7 +473,7 @@
             <a:fld id="{03DDCF8F-CEEE-4BB3-8735-66DB5F7EC32D}" type="datetimeFigureOut">
               <a:rPr lang="zh-TW" altLang="en-US" smtClean="0"/>
               <a:pPr/>
-              <a:t>2019/2/23</a:t>
+              <a:t>2020/7/5</a:t>
             </a:fld>
             <a:endParaRPr lang="zh-TW" altLang="en-US"/>
           </a:p>
@@ -545,8 +559,8 @@
         </p:nvSpPr>
         <p:spPr>
           <a:xfrm>
-            <a:off x="6629400" y="274638"/>
-            <a:ext cx="2057400" cy="5851525"/>
+            <a:off x="8839200" y="274639"/>
+            <a:ext cx="2743200" cy="5851525"/>
           </a:xfrm>
         </p:spPr>
         <p:txBody>
@@ -573,8 +587,8 @@
         </p:nvSpPr>
         <p:spPr>
           <a:xfrm>
-            <a:off x="457200" y="274638"/>
-            <a:ext cx="6019800" cy="5851525"/>
+            <a:off x="609600" y="274639"/>
+            <a:ext cx="8026400" cy="5851525"/>
           </a:xfrm>
         </p:spPr>
         <p:txBody>
@@ -636,7 +650,7 @@
             <a:fld id="{03DDCF8F-CEEE-4BB3-8735-66DB5F7EC32D}" type="datetimeFigureOut">
               <a:rPr lang="zh-TW" altLang="en-US" smtClean="0"/>
               <a:pPr/>
-              <a:t>2019/2/23</a:t>
+              <a:t>2020/7/5</a:t>
             </a:fld>
             <a:endParaRPr lang="zh-TW" altLang="en-US"/>
           </a:p>
@@ -803,7 +817,7 @@
             <a:fld id="{03DDCF8F-CEEE-4BB3-8735-66DB5F7EC32D}" type="datetimeFigureOut">
               <a:rPr lang="zh-TW" altLang="en-US" smtClean="0"/>
               <a:pPr/>
-              <a:t>2019/2/23</a:t>
+              <a:t>2020/7/5</a:t>
             </a:fld>
             <a:endParaRPr lang="zh-TW" altLang="en-US"/>
           </a:p>
@@ -889,8 +903,8 @@
         </p:nvSpPr>
         <p:spPr>
           <a:xfrm>
-            <a:off x="722313" y="4406900"/>
-            <a:ext cx="7772400" cy="1362075"/>
+            <a:off x="963084" y="4406901"/>
+            <a:ext cx="10363200" cy="1362075"/>
           </a:xfrm>
         </p:spPr>
         <p:txBody>
@@ -921,8 +935,8 @@
         </p:nvSpPr>
         <p:spPr>
           <a:xfrm>
-            <a:off x="722313" y="2906713"/>
-            <a:ext cx="7772400" cy="1500187"/>
+            <a:off x="963084" y="2906713"/>
+            <a:ext cx="10363200" cy="1500187"/>
           </a:xfrm>
         </p:spPr>
         <p:txBody>
@@ -1046,7 +1060,7 @@
             <a:fld id="{03DDCF8F-CEEE-4BB3-8735-66DB5F7EC32D}" type="datetimeFigureOut">
               <a:rPr lang="zh-TW" altLang="en-US" smtClean="0"/>
               <a:pPr/>
-              <a:t>2019/2/23</a:t>
+              <a:t>2020/7/5</a:t>
             </a:fld>
             <a:endParaRPr lang="zh-TW" altLang="en-US"/>
           </a:p>
@@ -1155,8 +1169,8 @@
         </p:nvSpPr>
         <p:spPr>
           <a:xfrm>
-            <a:off x="457200" y="1600200"/>
-            <a:ext cx="4038600" cy="4525963"/>
+            <a:off x="609600" y="1600201"/>
+            <a:ext cx="5384800" cy="4525963"/>
           </a:xfrm>
         </p:spPr>
         <p:txBody>
@@ -1240,8 +1254,8 @@
         </p:nvSpPr>
         <p:spPr>
           <a:xfrm>
-            <a:off x="4648200" y="1600200"/>
-            <a:ext cx="4038600" cy="4525963"/>
+            <a:off x="6197600" y="1600201"/>
+            <a:ext cx="5384800" cy="4525963"/>
           </a:xfrm>
         </p:spPr>
         <p:txBody>
@@ -1331,7 +1345,7 @@
             <a:fld id="{03DDCF8F-CEEE-4BB3-8735-66DB5F7EC32D}" type="datetimeFigureOut">
               <a:rPr lang="zh-TW" altLang="en-US" smtClean="0"/>
               <a:pPr/>
-              <a:t>2019/2/23</a:t>
+              <a:t>2020/7/5</a:t>
             </a:fld>
             <a:endParaRPr lang="zh-TW" altLang="en-US"/>
           </a:p>
@@ -1444,8 +1458,8 @@
         </p:nvSpPr>
         <p:spPr>
           <a:xfrm>
-            <a:off x="457200" y="1535113"/>
-            <a:ext cx="4040188" cy="639762"/>
+            <a:off x="609600" y="1535113"/>
+            <a:ext cx="5386917" cy="639762"/>
           </a:xfrm>
         </p:spPr>
         <p:txBody>
@@ -1509,8 +1523,8 @@
         </p:nvSpPr>
         <p:spPr>
           <a:xfrm>
-            <a:off x="457200" y="2174875"/>
-            <a:ext cx="4040188" cy="3951288"/>
+            <a:off x="609600" y="2174875"/>
+            <a:ext cx="5386917" cy="3951288"/>
           </a:xfrm>
         </p:spPr>
         <p:txBody>
@@ -1594,8 +1608,8 @@
         </p:nvSpPr>
         <p:spPr>
           <a:xfrm>
-            <a:off x="4645025" y="1535113"/>
-            <a:ext cx="4041775" cy="639762"/>
+            <a:off x="6193368" y="1535113"/>
+            <a:ext cx="5389033" cy="639762"/>
           </a:xfrm>
         </p:spPr>
         <p:txBody>
@@ -1659,8 +1673,8 @@
         </p:nvSpPr>
         <p:spPr>
           <a:xfrm>
-            <a:off x="4645025" y="2174875"/>
-            <a:ext cx="4041775" cy="3951288"/>
+            <a:off x="6193368" y="2174875"/>
+            <a:ext cx="5389033" cy="3951288"/>
           </a:xfrm>
         </p:spPr>
         <p:txBody>
@@ -1750,7 +1764,7 @@
             <a:fld id="{03DDCF8F-CEEE-4BB3-8735-66DB5F7EC32D}" type="datetimeFigureOut">
               <a:rPr lang="zh-TW" altLang="en-US" smtClean="0"/>
               <a:pPr/>
-              <a:t>2019/2/23</a:t>
+              <a:t>2020/7/5</a:t>
             </a:fld>
             <a:endParaRPr lang="zh-TW" altLang="en-US"/>
           </a:p>
@@ -1865,7 +1879,7 @@
             <a:fld id="{03DDCF8F-CEEE-4BB3-8735-66DB5F7EC32D}" type="datetimeFigureOut">
               <a:rPr lang="zh-TW" altLang="en-US" smtClean="0"/>
               <a:pPr/>
-              <a:t>2019/2/23</a:t>
+              <a:t>2020/7/5</a:t>
             </a:fld>
             <a:endParaRPr lang="zh-TW" altLang="en-US"/>
           </a:p>
@@ -1957,7 +1971,7 @@
             <a:fld id="{03DDCF8F-CEEE-4BB3-8735-66DB5F7EC32D}" type="datetimeFigureOut">
               <a:rPr lang="zh-TW" altLang="en-US" smtClean="0"/>
               <a:pPr/>
-              <a:t>2019/2/23</a:t>
+              <a:t>2020/7/5</a:t>
             </a:fld>
             <a:endParaRPr lang="zh-TW" altLang="en-US"/>
           </a:p>
@@ -2043,8 +2057,8 @@
         </p:nvSpPr>
         <p:spPr>
           <a:xfrm>
-            <a:off x="457200" y="273050"/>
-            <a:ext cx="3008313" cy="1162050"/>
+            <a:off x="609601" y="273050"/>
+            <a:ext cx="4011084" cy="1162050"/>
           </a:xfrm>
         </p:spPr>
         <p:txBody>
@@ -2075,8 +2089,8 @@
         </p:nvSpPr>
         <p:spPr>
           <a:xfrm>
-            <a:off x="3575050" y="273050"/>
-            <a:ext cx="5111750" cy="5853113"/>
+            <a:off x="4766733" y="273051"/>
+            <a:ext cx="6815667" cy="5853113"/>
           </a:xfrm>
         </p:spPr>
         <p:txBody>
@@ -2160,8 +2174,8 @@
         </p:nvSpPr>
         <p:spPr>
           <a:xfrm>
-            <a:off x="457200" y="1435100"/>
-            <a:ext cx="3008313" cy="4691063"/>
+            <a:off x="609601" y="1435101"/>
+            <a:ext cx="4011084" cy="4691063"/>
           </a:xfrm>
         </p:spPr>
         <p:txBody>
@@ -2231,7 +2245,7 @@
             <a:fld id="{03DDCF8F-CEEE-4BB3-8735-66DB5F7EC32D}" type="datetimeFigureOut">
               <a:rPr lang="zh-TW" altLang="en-US" smtClean="0"/>
               <a:pPr/>
-              <a:t>2019/2/23</a:t>
+              <a:t>2020/7/5</a:t>
             </a:fld>
             <a:endParaRPr lang="zh-TW" altLang="en-US"/>
           </a:p>
@@ -2317,8 +2331,8 @@
         </p:nvSpPr>
         <p:spPr>
           <a:xfrm>
-            <a:off x="1792288" y="4800600"/>
-            <a:ext cx="5486400" cy="566738"/>
+            <a:off x="2389717" y="4800600"/>
+            <a:ext cx="7315200" cy="566738"/>
           </a:xfrm>
         </p:spPr>
         <p:txBody>
@@ -2349,8 +2363,8 @@
         </p:nvSpPr>
         <p:spPr>
           <a:xfrm>
-            <a:off x="1792288" y="612775"/>
-            <a:ext cx="5486400" cy="4114800"/>
+            <a:off x="2389717" y="612775"/>
+            <a:ext cx="7315200" cy="4114800"/>
           </a:xfrm>
         </p:spPr>
         <p:txBody>
@@ -2414,8 +2428,8 @@
         </p:nvSpPr>
         <p:spPr>
           <a:xfrm>
-            <a:off x="1792288" y="5367338"/>
-            <a:ext cx="5486400" cy="804862"/>
+            <a:off x="2389717" y="5367338"/>
+            <a:ext cx="7315200" cy="804862"/>
           </a:xfrm>
         </p:spPr>
         <p:txBody>
@@ -2485,7 +2499,7 @@
             <a:fld id="{03DDCF8F-CEEE-4BB3-8735-66DB5F7EC32D}" type="datetimeFigureOut">
               <a:rPr lang="zh-TW" altLang="en-US" smtClean="0"/>
               <a:pPr/>
-              <a:t>2019/2/23</a:t>
+              <a:t>2020/7/5</a:t>
             </a:fld>
             <a:endParaRPr lang="zh-TW" altLang="en-US"/>
           </a:p>
@@ -2581,8 +2595,8 @@
         </p:nvSpPr>
         <p:spPr>
           <a:xfrm>
-            <a:off x="457200" y="274638"/>
-            <a:ext cx="8229600" cy="1143000"/>
+            <a:off x="609600" y="274638"/>
+            <a:ext cx="10972800" cy="1143000"/>
           </a:xfrm>
           <a:prstGeom prst="rect">
             <a:avLst/>
@@ -2614,8 +2628,8 @@
         </p:nvSpPr>
         <p:spPr>
           <a:xfrm>
-            <a:off x="457200" y="1600200"/>
-            <a:ext cx="8229600" cy="4525963"/>
+            <a:off x="609600" y="1600201"/>
+            <a:ext cx="10972800" cy="4525963"/>
           </a:xfrm>
           <a:prstGeom prst="rect">
             <a:avLst/>
@@ -2676,8 +2690,8 @@
         </p:nvSpPr>
         <p:spPr>
           <a:xfrm>
-            <a:off x="457200" y="6356350"/>
-            <a:ext cx="2133600" cy="365125"/>
+            <a:off x="609600" y="6356351"/>
+            <a:ext cx="2844800" cy="365125"/>
           </a:xfrm>
           <a:prstGeom prst="rect">
             <a:avLst/>
@@ -2700,7 +2714,7 @@
             <a:fld id="{03DDCF8F-CEEE-4BB3-8735-66DB5F7EC32D}" type="datetimeFigureOut">
               <a:rPr lang="zh-TW" altLang="en-US" smtClean="0"/>
               <a:pPr/>
-              <a:t>2019/2/23</a:t>
+              <a:t>2020/7/5</a:t>
             </a:fld>
             <a:endParaRPr lang="zh-TW" altLang="en-US"/>
           </a:p>
@@ -2718,8 +2732,8 @@
         </p:nvSpPr>
         <p:spPr>
           <a:xfrm>
-            <a:off x="3124200" y="6356350"/>
-            <a:ext cx="2895600" cy="365125"/>
+            <a:off x="4165600" y="6356351"/>
+            <a:ext cx="3860800" cy="365125"/>
           </a:xfrm>
           <a:prstGeom prst="rect">
             <a:avLst/>
@@ -2755,8 +2769,8 @@
         </p:nvSpPr>
         <p:spPr>
           <a:xfrm>
-            <a:off x="6553200" y="6356350"/>
-            <a:ext cx="2133600" cy="365125"/>
+            <a:off x="8737600" y="6356351"/>
+            <a:ext cx="2844800" cy="365125"/>
           </a:xfrm>
           <a:prstGeom prst="rect">
             <a:avLst/>
@@ -3089,7 +3103,7 @@
           <a:lstStyle/>
           <a:p>
             <a:r>
-              <a:rPr lang="zh-TW" altLang="en-US" b="1" dirty="0">
+              <a:rPr lang="zh-TW" altLang="en-US" sz="4800" b="1" dirty="0">
                 <a:solidFill>
                   <a:srgbClr val="660033"/>
                 </a:solidFill>
@@ -3099,7 +3113,7 @@
               <a:t>凡事都有神的</a:t>
             </a:r>
             <a:r>
-              <a:rPr lang="zh-TW" altLang="en-US" b="1" dirty="0" smtClean="0">
+              <a:rPr lang="zh-TW" altLang="en-US" sz="4800" b="1" dirty="0" smtClean="0">
                 <a:solidFill>
                   <a:srgbClr val="660033"/>
                 </a:solidFill>
@@ -3108,7 +3122,7 @@
               </a:rPr>
               <a:t>美意</a:t>
             </a:r>
-            <a:endParaRPr lang="zh-TW" altLang="en-US" b="1" dirty="0">
+            <a:endParaRPr lang="zh-TW" altLang="en-US" sz="4800" b="1" dirty="0">
               <a:solidFill>
                 <a:srgbClr val="660033"/>
               </a:solidFill>
@@ -3139,6 +3153,26 @@
               <a:buNone/>
             </a:pPr>
             <a:r>
+              <a:rPr lang="zh-CN" altLang="en-US" sz="5400" b="1" dirty="0">
+                <a:solidFill>
+                  <a:srgbClr val="660033"/>
+                </a:solidFill>
+                <a:latin typeface="微軟正黑體" pitchFamily="34" charset="-120"/>
+                <a:ea typeface="微軟正黑體" pitchFamily="34" charset="-120"/>
+              </a:rPr>
+              <a:t>我以喜樂的心 </a:t>
+            </a:r>
+            <a:r>
+              <a:rPr lang="en-US" altLang="zh-CN" sz="5400" b="1" dirty="0" smtClean="0">
+                <a:solidFill>
+                  <a:srgbClr val="660033"/>
+                </a:solidFill>
+                <a:latin typeface="微軟正黑體" pitchFamily="34" charset="-120"/>
+                <a:ea typeface="微軟正黑體" pitchFamily="34" charset="-120"/>
+              </a:rPr>
+              <a:t> </a:t>
+            </a:r>
+            <a:r>
               <a:rPr lang="zh-CN" altLang="en-US" sz="5400" b="1" dirty="0" smtClean="0">
                 <a:solidFill>
                   <a:srgbClr val="660033"/>
@@ -3146,7 +3180,79 @@
                 <a:latin typeface="微軟正黑體" pitchFamily="34" charset="-120"/>
                 <a:ea typeface="微軟正黑體" pitchFamily="34" charset="-120"/>
               </a:rPr>
-              <a:t>我以喜樂的心 </a:t>
+              <a:t>來</a:t>
+            </a:r>
+            <a:r>
+              <a:rPr lang="zh-CN" altLang="en-US" sz="5400" b="1" dirty="0">
+                <a:solidFill>
+                  <a:srgbClr val="660033"/>
+                </a:solidFill>
+                <a:latin typeface="微軟正黑體" pitchFamily="34" charset="-120"/>
+                <a:ea typeface="微軟正黑體" pitchFamily="34" charset="-120"/>
+              </a:rPr>
+              <a:t>面對我的環境</a:t>
+            </a:r>
+            <a:endParaRPr lang="en-US" altLang="zh-CN" sz="5400" b="1" dirty="0">
+              <a:solidFill>
+                <a:srgbClr val="660033"/>
+              </a:solidFill>
+              <a:latin typeface="微軟正黑體" pitchFamily="34" charset="-120"/>
+              <a:ea typeface="微軟正黑體" pitchFamily="34" charset="-120"/>
+            </a:endParaRPr>
+          </a:p>
+          <a:p>
+            <a:pPr algn="ctr">
+              <a:buNone/>
+            </a:pPr>
+            <a:r>
+              <a:rPr lang="zh-CN" altLang="en-US" sz="5400" b="1" dirty="0">
+                <a:solidFill>
+                  <a:srgbClr val="660033"/>
+                </a:solidFill>
+                <a:latin typeface="微軟正黑體" pitchFamily="34" charset="-120"/>
+                <a:ea typeface="微軟正黑體" pitchFamily="34" charset="-120"/>
+              </a:rPr>
+              <a:t>我以平安的心 </a:t>
+            </a:r>
+            <a:r>
+              <a:rPr lang="en-US" altLang="zh-CN" sz="5400" b="1" dirty="0" smtClean="0">
+                <a:solidFill>
+                  <a:srgbClr val="660033"/>
+                </a:solidFill>
+                <a:latin typeface="微軟正黑體" pitchFamily="34" charset="-120"/>
+                <a:ea typeface="微軟正黑體" pitchFamily="34" charset="-120"/>
+              </a:rPr>
+              <a:t> </a:t>
+            </a:r>
+            <a:r>
+              <a:rPr lang="zh-CN" altLang="en-US" sz="5400" b="1" dirty="0" smtClean="0">
+                <a:solidFill>
+                  <a:srgbClr val="660033"/>
+                </a:solidFill>
+                <a:latin typeface="微軟正黑體" pitchFamily="34" charset="-120"/>
+                <a:ea typeface="微軟正黑體" pitchFamily="34" charset="-120"/>
+              </a:rPr>
+              <a:t>來</a:t>
+            </a:r>
+            <a:r>
+              <a:rPr lang="zh-CN" altLang="en-US" sz="5400" b="1" dirty="0">
+                <a:solidFill>
+                  <a:srgbClr val="660033"/>
+                </a:solidFill>
+                <a:latin typeface="微軟正黑體" pitchFamily="34" charset="-120"/>
+                <a:ea typeface="微軟正黑體" pitchFamily="34" charset="-120"/>
+              </a:rPr>
+              <a:t>應對我的處</a:t>
+            </a:r>
+            <a:r>
+              <a:rPr lang="zh-CN" altLang="en-US" sz="5400" b="1" dirty="0" smtClean="0">
+                <a:solidFill>
+                  <a:srgbClr val="660033"/>
+                </a:solidFill>
+                <a:latin typeface="微軟正黑體" pitchFamily="34" charset="-120"/>
+                <a:ea typeface="微軟正黑體" pitchFamily="34" charset="-120"/>
+              </a:rPr>
+              <a:t>境</a:t>
             </a:r>
             <a:endParaRPr lang="en-US" altLang="zh-CN" sz="5400" b="1" dirty="0" smtClean="0">
               <a:solidFill>
@@ -3161,6 +3267,26 @@
               <a:buNone/>
             </a:pPr>
             <a:r>
+              <a:rPr lang="zh-CN" altLang="en-US" sz="5400" b="1" dirty="0">
+                <a:solidFill>
+                  <a:srgbClr val="660033"/>
+                </a:solidFill>
+                <a:latin typeface="微軟正黑體" pitchFamily="34" charset="-120"/>
+                <a:ea typeface="微軟正黑體" pitchFamily="34" charset="-120"/>
+              </a:rPr>
+              <a:t>因為凡事 </a:t>
+            </a:r>
+            <a:r>
+              <a:rPr lang="en-US" altLang="zh-CN" sz="5400" b="1" dirty="0">
+                <a:solidFill>
+                  <a:srgbClr val="660033"/>
+                </a:solidFill>
+                <a:latin typeface="微軟正黑體" pitchFamily="34" charset="-120"/>
+                <a:ea typeface="微軟正黑體" pitchFamily="34" charset="-120"/>
+              </a:rPr>
+              <a:t> </a:t>
+            </a:r>
+            <a:r>
               <a:rPr lang="zh-CN" altLang="en-US" sz="5400" b="1" dirty="0" smtClean="0">
                 <a:solidFill>
                   <a:srgbClr val="660033"/>
@@ -3168,9 +3294,19 @@
                 <a:latin typeface="微軟正黑體" pitchFamily="34" charset="-120"/>
                 <a:ea typeface="微軟正黑體" pitchFamily="34" charset="-120"/>
               </a:rPr>
-              <a:t>來面對我的環境</a:t>
-            </a:r>
-            <a:endParaRPr lang="en-US" altLang="zh-CN" sz="5400" b="1" dirty="0" smtClean="0">
+              <a:t>都</a:t>
+            </a:r>
+            <a:r>
+              <a:rPr lang="zh-CN" altLang="en-US" sz="5400" b="1" dirty="0">
+                <a:solidFill>
+                  <a:srgbClr val="660033"/>
+                </a:solidFill>
+                <a:latin typeface="微軟正黑體" pitchFamily="34" charset="-120"/>
+                <a:ea typeface="微軟正黑體" pitchFamily="34" charset="-120"/>
+              </a:rPr>
+              <a:t>有神的美意 </a:t>
+            </a:r>
+            <a:endParaRPr lang="en-US" altLang="zh-CN" sz="5400" b="1" dirty="0">
               <a:solidFill>
                 <a:srgbClr val="660033"/>
               </a:solidFill>
@@ -3183,6 +3319,16 @@
               <a:buNone/>
             </a:pPr>
             <a:r>
+              <a:rPr lang="zh-CN" altLang="en-US" sz="5400" b="1" dirty="0">
+                <a:solidFill>
+                  <a:srgbClr val="660033"/>
+                </a:solidFill>
+                <a:latin typeface="微軟正黑體" pitchFamily="34" charset="-120"/>
+                <a:ea typeface="微軟正黑體" pitchFamily="34" charset="-120"/>
+              </a:rPr>
+              <a:t>我要讚</a:t>
+            </a:r>
+            <a:r>
               <a:rPr lang="zh-CN" altLang="en-US" sz="5400" b="1" dirty="0" smtClean="0">
                 <a:solidFill>
                   <a:srgbClr val="660033"/>
@@ -3190,9 +3336,49 @@
                 <a:latin typeface="微軟正黑體" pitchFamily="34" charset="-120"/>
                 <a:ea typeface="微軟正黑體" pitchFamily="34" charset="-120"/>
               </a:rPr>
-              <a:t>我以平安的心 </a:t>
-            </a:r>
-            <a:endParaRPr lang="en-US" altLang="zh-CN" sz="5400" b="1" dirty="0" smtClean="0">
+              <a:t>美</a:t>
+            </a:r>
+            <a:r>
+              <a:rPr lang="en-US" altLang="zh-CN" sz="5400" b="1" dirty="0">
+                <a:solidFill>
+                  <a:srgbClr val="660033"/>
+                </a:solidFill>
+                <a:latin typeface="微軟正黑體" pitchFamily="34" charset="-120"/>
+                <a:ea typeface="微軟正黑體" pitchFamily="34" charset="-120"/>
+              </a:rPr>
+              <a:t> </a:t>
+            </a:r>
+            <a:r>
+              <a:rPr lang="en-US" altLang="zh-CN" sz="5400" b="1" dirty="0" smtClean="0">
+                <a:solidFill>
+                  <a:srgbClr val="660033"/>
+                </a:solidFill>
+                <a:latin typeface="微軟正黑體" pitchFamily="34" charset="-120"/>
+                <a:ea typeface="微軟正黑體" pitchFamily="34" charset="-120"/>
+              </a:rPr>
+              <a:t> </a:t>
+            </a:r>
+            <a:r>
+              <a:rPr lang="zh-CN" altLang="en-US" sz="5400" b="1" dirty="0" smtClean="0">
+                <a:solidFill>
+                  <a:srgbClr val="660033"/>
+                </a:solidFill>
+                <a:latin typeface="微軟正黑體" pitchFamily="34" charset="-120"/>
+                <a:ea typeface="微軟正黑體" pitchFamily="34" charset="-120"/>
+              </a:rPr>
+              <a:t>堅</a:t>
+            </a:r>
+            <a:r>
+              <a:rPr lang="zh-CN" altLang="en-US" sz="5400" b="1" dirty="0">
+                <a:solidFill>
+                  <a:srgbClr val="660033"/>
+                </a:solidFill>
+                <a:latin typeface="微軟正黑體" pitchFamily="34" charset="-120"/>
+                <a:ea typeface="微軟正黑體" pitchFamily="34" charset="-120"/>
+              </a:rPr>
+              <a:t>持到底</a:t>
+            </a:r>
+            <a:endParaRPr lang="zh-TW" altLang="en-US" sz="5400" b="1" dirty="0">
               <a:solidFill>
                 <a:srgbClr val="660033"/>
               </a:solidFill>
@@ -3204,16 +3390,6 @@
             <a:pPr algn="ctr">
               <a:buNone/>
             </a:pPr>
-            <a:r>
-              <a:rPr lang="zh-CN" altLang="en-US" sz="5400" b="1" dirty="0" smtClean="0">
-                <a:solidFill>
-                  <a:srgbClr val="660033"/>
-                </a:solidFill>
-                <a:latin typeface="微軟正黑體" pitchFamily="34" charset="-120"/>
-                <a:ea typeface="微軟正黑體" pitchFamily="34" charset="-120"/>
-              </a:rPr>
-              <a:t>來應對我的處境</a:t>
-            </a:r>
             <a:endParaRPr lang="zh-TW" altLang="en-US" sz="5400" b="1" dirty="0">
               <a:solidFill>
                 <a:srgbClr val="660033"/>
@@ -3274,7 +3450,7 @@
           <a:lstStyle/>
           <a:p>
             <a:r>
-              <a:rPr lang="zh-TW" altLang="en-US" b="1" dirty="0">
+              <a:rPr lang="zh-TW" altLang="en-US" sz="4800" b="1" dirty="0">
                 <a:solidFill>
                   <a:srgbClr val="660033"/>
                 </a:solidFill>
@@ -3284,7 +3460,7 @@
               <a:t>凡事都有神的</a:t>
             </a:r>
             <a:r>
-              <a:rPr lang="zh-TW" altLang="en-US" b="1" dirty="0" smtClean="0">
+              <a:rPr lang="zh-TW" altLang="en-US" sz="4800" b="1" dirty="0">
                 <a:solidFill>
                   <a:srgbClr val="660033"/>
                 </a:solidFill>
@@ -3293,7 +3469,7 @@
               </a:rPr>
               <a:t>美意</a:t>
             </a:r>
-            <a:endParaRPr lang="zh-TW" altLang="en-US" b="1" dirty="0">
+            <a:endParaRPr lang="zh-TW" altLang="en-US" sz="4800" b="1" dirty="0">
               <a:solidFill>
                 <a:srgbClr val="660033"/>
               </a:solidFill>
@@ -3324,15 +3500,68 @@
               <a:buNone/>
             </a:pPr>
             <a:r>
+              <a:rPr lang="zh-CN" altLang="en-US" sz="5400" b="1" dirty="0">
+                <a:solidFill>
+                  <a:srgbClr val="660033"/>
+                </a:solidFill>
+                <a:latin typeface="微軟正黑體" pitchFamily="34" charset="-120"/>
+                <a:ea typeface="微軟正黑體" pitchFamily="34" charset="-120"/>
+                <a:cs typeface="+mj-cs"/>
+              </a:rPr>
+              <a:t>我以盼望的心 </a:t>
+            </a:r>
+            <a:r>
+              <a:rPr lang="en-US" altLang="zh-CN" sz="5400" b="1" dirty="0">
+                <a:solidFill>
+                  <a:srgbClr val="660033"/>
+                </a:solidFill>
+                <a:latin typeface="微軟正黑體" pitchFamily="34" charset="-120"/>
+                <a:ea typeface="微軟正黑體" pitchFamily="34" charset="-120"/>
+                <a:cs typeface="+mj-cs"/>
+              </a:rPr>
+              <a:t> </a:t>
+            </a:r>
+            <a:r>
               <a:rPr lang="zh-CN" altLang="en-US" sz="5400" b="1" dirty="0" smtClean="0">
                 <a:solidFill>
                   <a:srgbClr val="660033"/>
                 </a:solidFill>
                 <a:latin typeface="微軟正黑體" pitchFamily="34" charset="-120"/>
                 <a:ea typeface="微軟正黑體" pitchFamily="34" charset="-120"/>
+              </a:rPr>
+              <a:t>來</a:t>
+            </a:r>
+            <a:r>
+              <a:rPr lang="zh-CN" altLang="en-US" sz="5400" b="1" dirty="0">
+                <a:solidFill>
+                  <a:srgbClr val="660033"/>
+                </a:solidFill>
+                <a:latin typeface="微軟正黑體" pitchFamily="34" charset="-120"/>
+                <a:ea typeface="微軟正黑體" pitchFamily="34" charset="-120"/>
+              </a:rPr>
+              <a:t>面對</a:t>
+            </a:r>
+            <a:r>
+              <a:rPr lang="zh-CN" altLang="en-US" sz="5400" b="1" dirty="0">
+                <a:solidFill>
+                  <a:srgbClr val="660033"/>
+                </a:solidFill>
+                <a:latin typeface="微軟正黑體" pitchFamily="34" charset="-120"/>
+                <a:ea typeface="微軟正黑體" pitchFamily="34" charset="-120"/>
                 <a:cs typeface="+mj-cs"/>
               </a:rPr>
-              <a:t>因為凡事 </a:t>
+              <a:t>我</a:t>
+            </a:r>
+            <a:r>
+              <a:rPr lang="zh-CN" altLang="en-US" sz="5400" b="1" dirty="0">
+                <a:solidFill>
+                  <a:srgbClr val="660033"/>
+                </a:solidFill>
+                <a:latin typeface="微軟正黑體" pitchFamily="34" charset="-120"/>
+                <a:ea typeface="微軟正黑體" pitchFamily="34" charset="-120"/>
+                <a:cs typeface="+mj-cs"/>
+              </a:rPr>
+              <a:t>的失望 </a:t>
             </a:r>
             <a:endParaRPr lang="en-US" altLang="zh-CN" sz="5400" b="1" dirty="0">
               <a:solidFill>
@@ -3356,9 +3585,75 @@
                 <a:ea typeface="微軟正黑體" pitchFamily="34" charset="-120"/>
                 <a:cs typeface="+mj-cs"/>
               </a:rPr>
-              <a:t>都有神的美意 </a:t>
-            </a:r>
-            <a:endParaRPr lang="en-US" altLang="zh-CN" sz="5400" b="1" dirty="0">
+              <a:t>我</a:t>
+            </a:r>
+            <a:r>
+              <a:rPr lang="zh-CN" altLang="en-US" sz="5400" b="1" dirty="0">
+                <a:solidFill>
+                  <a:srgbClr val="660033"/>
+                </a:solidFill>
+                <a:latin typeface="微軟正黑體" pitchFamily="34" charset="-120"/>
+                <a:ea typeface="微軟正黑體" pitchFamily="34" charset="-120"/>
+                <a:cs typeface="+mj-cs"/>
+              </a:rPr>
+              <a:t>以積極的</a:t>
+            </a:r>
+            <a:r>
+              <a:rPr lang="zh-CN" altLang="en-US" sz="5400" b="1" dirty="0">
+                <a:solidFill>
+                  <a:srgbClr val="660033"/>
+                </a:solidFill>
+                <a:latin typeface="微軟正黑體" pitchFamily="34" charset="-120"/>
+                <a:ea typeface="微軟正黑體" pitchFamily="34" charset="-120"/>
+                <a:cs typeface="+mj-cs"/>
+              </a:rPr>
+              <a:t>心 </a:t>
+            </a:r>
+            <a:r>
+              <a:rPr lang="en-US" altLang="zh-CN" sz="5400" b="1" dirty="0">
+                <a:solidFill>
+                  <a:srgbClr val="660033"/>
+                </a:solidFill>
+                <a:latin typeface="微軟正黑體" pitchFamily="34" charset="-120"/>
+                <a:ea typeface="微軟正黑體" pitchFamily="34" charset="-120"/>
+                <a:cs typeface="+mj-cs"/>
+              </a:rPr>
+              <a:t> </a:t>
+            </a:r>
+            <a:r>
+              <a:rPr lang="zh-CN" altLang="en-US" sz="5400" b="1" dirty="0" smtClean="0">
+                <a:solidFill>
+                  <a:srgbClr val="660033"/>
+                </a:solidFill>
+                <a:latin typeface="微軟正黑體" pitchFamily="34" charset="-120"/>
+                <a:ea typeface="微軟正黑體" pitchFamily="34" charset="-120"/>
+                <a:cs typeface="+mj-cs"/>
+              </a:rPr>
+              <a:t>來</a:t>
+            </a:r>
+            <a:r>
+              <a:rPr lang="zh-CN" altLang="en-US" sz="5400" b="1" dirty="0">
+                <a:solidFill>
+                  <a:srgbClr val="660033"/>
+                </a:solidFill>
+                <a:latin typeface="微軟正黑體" pitchFamily="34" charset="-120"/>
+                <a:ea typeface="微軟正黑體" pitchFamily="34" charset="-120"/>
+                <a:cs typeface="+mj-cs"/>
+              </a:rPr>
+              <a:t>戰勝我的沮</a:t>
+            </a:r>
+            <a:r>
+              <a:rPr lang="zh-CN" altLang="en-US" sz="5400" b="1" dirty="0" smtClean="0">
+                <a:solidFill>
+                  <a:srgbClr val="660033"/>
+                </a:solidFill>
+                <a:latin typeface="微軟正黑體" pitchFamily="34" charset="-120"/>
+                <a:ea typeface="微軟正黑體" pitchFamily="34" charset="-120"/>
+                <a:cs typeface="+mj-cs"/>
+              </a:rPr>
+              <a:t>喪</a:t>
+            </a:r>
+            <a:endParaRPr lang="en-US" altLang="zh-CN" sz="5400" b="1" dirty="0" smtClean="0">
               <a:solidFill>
                 <a:srgbClr val="660033"/>
               </a:solidFill>
@@ -3378,9 +3673,18 @@
                 </a:solidFill>
                 <a:latin typeface="微軟正黑體" pitchFamily="34" charset="-120"/>
                 <a:ea typeface="微軟正黑體" pitchFamily="34" charset="-120"/>
-                <a:cs typeface="+mj-cs"/>
-              </a:rPr>
-              <a:t>我</a:t>
+              </a:rPr>
+              <a:t>因為凡事 </a:t>
+            </a:r>
+            <a:r>
+              <a:rPr lang="en-US" altLang="zh-CN" sz="5400" b="1" dirty="0">
+                <a:solidFill>
+                  <a:srgbClr val="660033"/>
+                </a:solidFill>
+                <a:latin typeface="微軟正黑體" pitchFamily="34" charset="-120"/>
+                <a:ea typeface="微軟正黑體" pitchFamily="34" charset="-120"/>
+              </a:rPr>
+              <a:t> </a:t>
             </a:r>
             <a:r>
               <a:rPr lang="zh-CN" altLang="en-US" sz="5400" b="1" dirty="0" smtClean="0">
@@ -3389,9 +3693,18 @@
                 </a:solidFill>
                 <a:latin typeface="微軟正黑體" pitchFamily="34" charset="-120"/>
                 <a:ea typeface="微軟正黑體" pitchFamily="34" charset="-120"/>
-                <a:cs typeface="+mj-cs"/>
-              </a:rPr>
-              <a:t>要讚美</a:t>
+              </a:rPr>
+              <a:t>都</a:t>
+            </a:r>
+            <a:r>
+              <a:rPr lang="zh-CN" altLang="en-US" sz="5400" b="1" dirty="0">
+                <a:solidFill>
+                  <a:srgbClr val="660033"/>
+                </a:solidFill>
+                <a:latin typeface="微軟正黑體" pitchFamily="34" charset="-120"/>
+                <a:ea typeface="微軟正黑體" pitchFamily="34" charset="-120"/>
+              </a:rPr>
+              <a:t>有神的美意 </a:t>
             </a:r>
             <a:endParaRPr lang="en-US" altLang="zh-CN" sz="5400" b="1" dirty="0">
               <a:solidFill>
@@ -3399,7 +3712,6 @@
               </a:solidFill>
               <a:latin typeface="微軟正黑體" pitchFamily="34" charset="-120"/>
               <a:ea typeface="微軟正黑體" pitchFamily="34" charset="-120"/>
-              <a:cs typeface="+mj-cs"/>
             </a:endParaRPr>
           </a:p>
           <a:p>
@@ -3407,15 +3719,54 @@
               <a:buNone/>
             </a:pPr>
             <a:r>
+              <a:rPr lang="zh-CN" altLang="en-US" sz="5400" b="1" dirty="0">
+                <a:solidFill>
+                  <a:srgbClr val="660033"/>
+                </a:solidFill>
+                <a:latin typeface="微軟正黑體" pitchFamily="34" charset="-120"/>
+                <a:ea typeface="微軟正黑體" pitchFamily="34" charset="-120"/>
+              </a:rPr>
+              <a:t>我要感恩 </a:t>
+            </a:r>
+            <a:r>
+              <a:rPr lang="en-US" altLang="zh-CN" sz="5400" b="1" dirty="0">
+                <a:solidFill>
+                  <a:srgbClr val="660033"/>
+                </a:solidFill>
+                <a:latin typeface="微軟正黑體" pitchFamily="34" charset="-120"/>
+                <a:ea typeface="微軟正黑體" pitchFamily="34" charset="-120"/>
+              </a:rPr>
+              <a:t> </a:t>
+            </a:r>
+            <a:r>
               <a:rPr lang="zh-CN" altLang="en-US" sz="5400" b="1" dirty="0" smtClean="0">
                 <a:solidFill>
                   <a:srgbClr val="660033"/>
                 </a:solidFill>
                 <a:latin typeface="微軟正黑體" pitchFamily="34" charset="-120"/>
                 <a:ea typeface="微軟正黑體" pitchFamily="34" charset="-120"/>
-                <a:cs typeface="+mj-cs"/>
-              </a:rPr>
-              <a:t>堅持到底</a:t>
+              </a:rPr>
+              <a:t>稱</a:t>
+            </a:r>
+            <a:r>
+              <a:rPr lang="zh-CN" altLang="en-US" sz="5400" b="1" dirty="0">
+                <a:solidFill>
+                  <a:srgbClr val="660033"/>
+                </a:solidFill>
+                <a:latin typeface="微軟正黑體" pitchFamily="34" charset="-120"/>
+                <a:ea typeface="微軟正黑體" pitchFamily="34" charset="-120"/>
+              </a:rPr>
+              <a:t>謝到</a:t>
+            </a:r>
+            <a:r>
+              <a:rPr lang="zh-CN" altLang="en-US" sz="5400" b="1" dirty="0" smtClean="0">
+                <a:solidFill>
+                  <a:srgbClr val="660033"/>
+                </a:solidFill>
+                <a:latin typeface="微軟正黑體" pitchFamily="34" charset="-120"/>
+                <a:ea typeface="微軟正黑體" pitchFamily="34" charset="-120"/>
+              </a:rPr>
+              <a:t>底</a:t>
             </a:r>
             <a:endParaRPr lang="zh-TW" altLang="en-US" sz="5400" b="1" dirty="0">
               <a:solidFill>
@@ -3423,436 +3774,6 @@
               </a:solidFill>
               <a:latin typeface="微軟正黑體" pitchFamily="34" charset="-120"/>
               <a:ea typeface="微軟正黑體" pitchFamily="34" charset="-120"/>
-              <a:cs typeface="+mj-cs"/>
-            </a:endParaRPr>
-          </a:p>
-        </p:txBody>
-      </p:sp>
-    </p:spTree>
-  </p:cSld>
-  <p:clrMapOvr>
-    <a:masterClrMapping/>
-  </p:clrMapOvr>
-  <p:timing>
-    <p:tnLst>
-      <p:par>
-        <p:cTn id="1" dur="indefinite" restart="never" nodeType="tmRoot"/>
-      </p:par>
-    </p:tnLst>
-  </p:timing>
-</p:sld>
-</file>
-
-<file path=ppt/slides/slide3.xml><?xml version="1.0" encoding="utf-8"?>
-<p:sld xmlns:a="http://schemas.openxmlformats.org/drawingml/2006/main" xmlns:r="http://schemas.openxmlformats.org/officeDocument/2006/relationships" xmlns:p="http://schemas.openxmlformats.org/presentationml/2006/main">
-  <p:cSld>
-    <p:spTree>
-      <p:nvGrpSpPr>
-        <p:cNvPr id="1" name=""/>
-        <p:cNvGrpSpPr/>
-        <p:nvPr/>
-      </p:nvGrpSpPr>
-      <p:grpSpPr>
-        <a:xfrm>
-          <a:off x="0" y="0"/>
-          <a:ext cx="0" cy="0"/>
-          <a:chOff x="0" y="0"/>
-          <a:chExt cx="0" cy="0"/>
-        </a:xfrm>
-      </p:grpSpPr>
-      <p:sp>
-        <p:nvSpPr>
-          <p:cNvPr id="2" name="標題 1"/>
-          <p:cNvSpPr>
-            <a:spLocks noGrp="1"/>
-          </p:cNvSpPr>
-          <p:nvPr>
-            <p:ph type="title"/>
-          </p:nvPr>
-        </p:nvSpPr>
-        <p:spPr/>
-        <p:txBody>
-          <a:bodyPr>
-            <a:normAutofit/>
-          </a:bodyPr>
-          <a:lstStyle/>
-          <a:p>
-            <a:r>
-              <a:rPr lang="zh-TW" altLang="en-US" b="1" dirty="0">
-                <a:solidFill>
-                  <a:srgbClr val="660033"/>
-                </a:solidFill>
-                <a:latin typeface="微軟正黑體" pitchFamily="34" charset="-120"/>
-                <a:ea typeface="微軟正黑體" pitchFamily="34" charset="-120"/>
-              </a:rPr>
-              <a:t>凡事都有神的</a:t>
-            </a:r>
-            <a:r>
-              <a:rPr lang="zh-TW" altLang="en-US" b="1" dirty="0" smtClean="0">
-                <a:solidFill>
-                  <a:srgbClr val="660033"/>
-                </a:solidFill>
-                <a:latin typeface="微軟正黑體" pitchFamily="34" charset="-120"/>
-                <a:ea typeface="微軟正黑體" pitchFamily="34" charset="-120"/>
-              </a:rPr>
-              <a:t>美意</a:t>
-            </a:r>
-            <a:endParaRPr lang="zh-TW" altLang="en-US" b="1" dirty="0">
-              <a:solidFill>
-                <a:srgbClr val="660033"/>
-              </a:solidFill>
-              <a:latin typeface="微軟正黑體" pitchFamily="34" charset="-120"/>
-              <a:ea typeface="微軟正黑體" pitchFamily="34" charset="-120"/>
-            </a:endParaRPr>
-          </a:p>
-        </p:txBody>
-      </p:sp>
-      <p:sp>
-        <p:nvSpPr>
-          <p:cNvPr id="3" name="內容版面配置區 2"/>
-          <p:cNvSpPr>
-            <a:spLocks noGrp="1"/>
-          </p:cNvSpPr>
-          <p:nvPr>
-            <p:ph idx="1"/>
-          </p:nvPr>
-        </p:nvSpPr>
-        <p:spPr/>
-        <p:txBody>
-          <a:bodyPr>
-            <a:normAutofit/>
-          </a:bodyPr>
-          <a:lstStyle/>
-          <a:p>
-            <a:pPr algn="ctr">
-              <a:buNone/>
-            </a:pPr>
-            <a:r>
-              <a:rPr lang="zh-CN" altLang="en-US" sz="5400" b="1" dirty="0">
-                <a:solidFill>
-                  <a:srgbClr val="660033"/>
-                </a:solidFill>
-                <a:latin typeface="微軟正黑體" pitchFamily="34" charset="-120"/>
-                <a:ea typeface="微軟正黑體" pitchFamily="34" charset="-120"/>
-                <a:cs typeface="+mj-cs"/>
-              </a:rPr>
-              <a:t>我以盼望的心 </a:t>
-            </a:r>
-            <a:endParaRPr lang="en-US" altLang="zh-CN" sz="5400" b="1" dirty="0">
-              <a:solidFill>
-                <a:srgbClr val="660033"/>
-              </a:solidFill>
-              <a:latin typeface="微軟正黑體" pitchFamily="34" charset="-120"/>
-              <a:ea typeface="微軟正黑體" pitchFamily="34" charset="-120"/>
-              <a:cs typeface="+mj-cs"/>
-            </a:endParaRPr>
-          </a:p>
-          <a:p>
-            <a:pPr algn="ctr">
-              <a:buNone/>
-            </a:pPr>
-            <a:r>
-              <a:rPr lang="zh-CN" altLang="en-US" sz="5400" b="1" dirty="0" smtClean="0">
-                <a:solidFill>
-                  <a:srgbClr val="660033"/>
-                </a:solidFill>
-                <a:latin typeface="微軟正黑體" pitchFamily="34" charset="-120"/>
-                <a:ea typeface="微軟正黑體" pitchFamily="34" charset="-120"/>
-              </a:rPr>
-              <a:t>來面對</a:t>
-            </a:r>
-            <a:r>
-              <a:rPr lang="zh-CN" altLang="en-US" sz="5400" b="1" dirty="0" smtClean="0">
-                <a:solidFill>
-                  <a:srgbClr val="660033"/>
-                </a:solidFill>
-                <a:latin typeface="微軟正黑體" pitchFamily="34" charset="-120"/>
-                <a:ea typeface="微軟正黑體" pitchFamily="34" charset="-120"/>
-                <a:cs typeface="+mj-cs"/>
-              </a:rPr>
-              <a:t>我</a:t>
-            </a:r>
-            <a:r>
-              <a:rPr lang="zh-CN" altLang="en-US" sz="5400" b="1" dirty="0">
-                <a:solidFill>
-                  <a:srgbClr val="660033"/>
-                </a:solidFill>
-                <a:latin typeface="微軟正黑體" pitchFamily="34" charset="-120"/>
-                <a:ea typeface="微軟正黑體" pitchFamily="34" charset="-120"/>
-                <a:cs typeface="+mj-cs"/>
-              </a:rPr>
-              <a:t>的失望 </a:t>
-            </a:r>
-            <a:endParaRPr lang="en-US" altLang="zh-CN" sz="5400" b="1" dirty="0">
-              <a:solidFill>
-                <a:srgbClr val="660033"/>
-              </a:solidFill>
-              <a:latin typeface="微軟正黑體" pitchFamily="34" charset="-120"/>
-              <a:ea typeface="微軟正黑體" pitchFamily="34" charset="-120"/>
-              <a:cs typeface="+mj-cs"/>
-            </a:endParaRPr>
-          </a:p>
-          <a:p>
-            <a:pPr algn="ctr">
-              <a:buNone/>
-            </a:pPr>
-            <a:r>
-              <a:rPr lang="zh-CN" altLang="en-US" sz="5400" b="1" dirty="0">
-                <a:solidFill>
-                  <a:srgbClr val="660033"/>
-                </a:solidFill>
-                <a:latin typeface="微軟正黑體" pitchFamily="34" charset="-120"/>
-                <a:ea typeface="微軟正黑體" pitchFamily="34" charset="-120"/>
-                <a:cs typeface="+mj-cs"/>
-              </a:rPr>
-              <a:t>我</a:t>
-            </a:r>
-            <a:r>
-              <a:rPr lang="zh-CN" altLang="en-US" sz="5400" b="1" dirty="0" smtClean="0">
-                <a:solidFill>
-                  <a:srgbClr val="660033"/>
-                </a:solidFill>
-                <a:latin typeface="微軟正黑體" pitchFamily="34" charset="-120"/>
-                <a:ea typeface="微軟正黑體" pitchFamily="34" charset="-120"/>
-                <a:cs typeface="+mj-cs"/>
-              </a:rPr>
-              <a:t>以積極的</a:t>
-            </a:r>
-            <a:r>
-              <a:rPr lang="zh-CN" altLang="en-US" sz="5400" b="1" dirty="0">
-                <a:solidFill>
-                  <a:srgbClr val="660033"/>
-                </a:solidFill>
-                <a:latin typeface="微軟正黑體" pitchFamily="34" charset="-120"/>
-                <a:ea typeface="微軟正黑體" pitchFamily="34" charset="-120"/>
-                <a:cs typeface="+mj-cs"/>
-              </a:rPr>
-              <a:t>心 </a:t>
-            </a:r>
-            <a:endParaRPr lang="en-US" altLang="zh-CN" sz="5400" b="1" dirty="0">
-              <a:solidFill>
-                <a:srgbClr val="660033"/>
-              </a:solidFill>
-              <a:latin typeface="微軟正黑體" pitchFamily="34" charset="-120"/>
-              <a:ea typeface="微軟正黑體" pitchFamily="34" charset="-120"/>
-              <a:cs typeface="+mj-cs"/>
-            </a:endParaRPr>
-          </a:p>
-          <a:p>
-            <a:pPr algn="ctr">
-              <a:buNone/>
-            </a:pPr>
-            <a:r>
-              <a:rPr lang="zh-CN" altLang="en-US" sz="5400" b="1" dirty="0" smtClean="0">
-                <a:solidFill>
-                  <a:srgbClr val="660033"/>
-                </a:solidFill>
-                <a:latin typeface="微軟正黑體" pitchFamily="34" charset="-120"/>
-                <a:ea typeface="微軟正黑體" pitchFamily="34" charset="-120"/>
-                <a:cs typeface="+mj-cs"/>
-              </a:rPr>
-              <a:t>來戰勝我的沮喪</a:t>
-            </a:r>
-            <a:endParaRPr lang="zh-TW" altLang="en-US" sz="5400" b="1" dirty="0">
-              <a:solidFill>
-                <a:srgbClr val="660033"/>
-              </a:solidFill>
-              <a:latin typeface="微軟正黑體" pitchFamily="34" charset="-120"/>
-              <a:ea typeface="微軟正黑體" pitchFamily="34" charset="-120"/>
-              <a:cs typeface="+mj-cs"/>
-            </a:endParaRPr>
-          </a:p>
-        </p:txBody>
-      </p:sp>
-    </p:spTree>
-  </p:cSld>
-  <p:clrMapOvr>
-    <a:masterClrMapping/>
-  </p:clrMapOvr>
-  <p:timing>
-    <p:tnLst>
-      <p:par>
-        <p:cTn id="1" dur="indefinite" restart="never" nodeType="tmRoot"/>
-      </p:par>
-    </p:tnLst>
-  </p:timing>
-</p:sld>
-</file>
-
-<file path=ppt/slides/slide4.xml><?xml version="1.0" encoding="utf-8"?>
-<p:sld xmlns:a="http://schemas.openxmlformats.org/drawingml/2006/main" xmlns:r="http://schemas.openxmlformats.org/officeDocument/2006/relationships" xmlns:p="http://schemas.openxmlformats.org/presentationml/2006/main">
-  <p:cSld>
-    <p:spTree>
-      <p:nvGrpSpPr>
-        <p:cNvPr id="1" name=""/>
-        <p:cNvGrpSpPr/>
-        <p:nvPr/>
-      </p:nvGrpSpPr>
-      <p:grpSpPr>
-        <a:xfrm>
-          <a:off x="0" y="0"/>
-          <a:ext cx="0" cy="0"/>
-          <a:chOff x="0" y="0"/>
-          <a:chExt cx="0" cy="0"/>
-        </a:xfrm>
-      </p:grpSpPr>
-      <p:sp>
-        <p:nvSpPr>
-          <p:cNvPr id="2" name="標題 1"/>
-          <p:cNvSpPr>
-            <a:spLocks noGrp="1"/>
-          </p:cNvSpPr>
-          <p:nvPr>
-            <p:ph type="title"/>
-          </p:nvPr>
-        </p:nvSpPr>
-        <p:spPr/>
-        <p:txBody>
-          <a:bodyPr>
-            <a:normAutofit/>
-          </a:bodyPr>
-          <a:lstStyle/>
-          <a:p>
-            <a:r>
-              <a:rPr lang="zh-TW" altLang="en-US" b="1" dirty="0">
-                <a:solidFill>
-                  <a:srgbClr val="660033"/>
-                </a:solidFill>
-                <a:latin typeface="微軟正黑體" pitchFamily="34" charset="-120"/>
-                <a:ea typeface="微軟正黑體" pitchFamily="34" charset="-120"/>
-              </a:rPr>
-              <a:t>凡事都有神的</a:t>
-            </a:r>
-            <a:r>
-              <a:rPr lang="zh-TW" altLang="en-US" b="1" dirty="0" smtClean="0">
-                <a:solidFill>
-                  <a:srgbClr val="660033"/>
-                </a:solidFill>
-                <a:latin typeface="微軟正黑體" pitchFamily="34" charset="-120"/>
-                <a:ea typeface="微軟正黑體" pitchFamily="34" charset="-120"/>
-              </a:rPr>
-              <a:t>美意</a:t>
-            </a:r>
-            <a:endParaRPr lang="zh-TW" altLang="en-US" b="1" dirty="0">
-              <a:solidFill>
-                <a:srgbClr val="660033"/>
-              </a:solidFill>
-              <a:latin typeface="微軟正黑體" pitchFamily="34" charset="-120"/>
-              <a:ea typeface="微軟正黑體" pitchFamily="34" charset="-120"/>
-            </a:endParaRPr>
-          </a:p>
-        </p:txBody>
-      </p:sp>
-      <p:sp>
-        <p:nvSpPr>
-          <p:cNvPr id="3" name="內容版面配置區 2"/>
-          <p:cNvSpPr>
-            <a:spLocks noGrp="1"/>
-          </p:cNvSpPr>
-          <p:nvPr>
-            <p:ph idx="1"/>
-          </p:nvPr>
-        </p:nvSpPr>
-        <p:spPr/>
-        <p:txBody>
-          <a:bodyPr>
-            <a:normAutofit/>
-          </a:bodyPr>
-          <a:lstStyle/>
-          <a:p>
-            <a:pPr algn="ctr">
-              <a:buNone/>
-            </a:pPr>
-            <a:r>
-              <a:rPr lang="zh-CN" altLang="en-US" sz="5400" b="1" dirty="0" smtClean="0">
-                <a:solidFill>
-                  <a:srgbClr val="660033"/>
-                </a:solidFill>
-                <a:latin typeface="微軟正黑體" pitchFamily="34" charset="-120"/>
-                <a:ea typeface="微軟正黑體" pitchFamily="34" charset="-120"/>
-                <a:cs typeface="+mj-cs"/>
-              </a:rPr>
-              <a:t>因為凡事 </a:t>
-            </a:r>
-            <a:endParaRPr lang="en-US" altLang="zh-CN" sz="5400" b="1" dirty="0">
-              <a:solidFill>
-                <a:srgbClr val="660033"/>
-              </a:solidFill>
-              <a:latin typeface="微軟正黑體" pitchFamily="34" charset="-120"/>
-              <a:ea typeface="微軟正黑體" pitchFamily="34" charset="-120"/>
-              <a:cs typeface="+mj-cs"/>
-            </a:endParaRPr>
-          </a:p>
-          <a:p>
-            <a:pPr algn="ctr">
-              <a:buNone/>
-            </a:pPr>
-            <a:r>
-              <a:rPr lang="zh-CN" altLang="en-US" sz="5400" b="1" dirty="0">
-                <a:solidFill>
-                  <a:srgbClr val="660033"/>
-                </a:solidFill>
-                <a:latin typeface="微軟正黑體" pitchFamily="34" charset="-120"/>
-                <a:ea typeface="微軟正黑體" pitchFamily="34" charset="-120"/>
-                <a:cs typeface="+mj-cs"/>
-              </a:rPr>
-              <a:t>都有神的美意 </a:t>
-            </a:r>
-            <a:endParaRPr lang="en-US" altLang="zh-CN" sz="5400" b="1" dirty="0">
-              <a:solidFill>
-                <a:srgbClr val="660033"/>
-              </a:solidFill>
-              <a:latin typeface="微軟正黑體" pitchFamily="34" charset="-120"/>
-              <a:ea typeface="微軟正黑體" pitchFamily="34" charset="-120"/>
-              <a:cs typeface="+mj-cs"/>
-            </a:endParaRPr>
-          </a:p>
-          <a:p>
-            <a:pPr algn="ctr">
-              <a:buNone/>
-            </a:pPr>
-            <a:r>
-              <a:rPr lang="zh-CN" altLang="en-US" sz="5400" b="1" dirty="0">
-                <a:solidFill>
-                  <a:srgbClr val="660033"/>
-                </a:solidFill>
-                <a:latin typeface="微軟正黑體" pitchFamily="34" charset="-120"/>
-                <a:ea typeface="微軟正黑體" pitchFamily="34" charset="-120"/>
-                <a:cs typeface="+mj-cs"/>
-              </a:rPr>
-              <a:t>我要感恩 </a:t>
-            </a:r>
-            <a:endParaRPr lang="en-US" altLang="zh-CN" sz="5400" b="1" dirty="0">
-              <a:solidFill>
-                <a:srgbClr val="660033"/>
-              </a:solidFill>
-              <a:latin typeface="微軟正黑體" pitchFamily="34" charset="-120"/>
-              <a:ea typeface="微軟正黑體" pitchFamily="34" charset="-120"/>
-              <a:cs typeface="+mj-cs"/>
-            </a:endParaRPr>
-          </a:p>
-          <a:p>
-            <a:pPr algn="ctr">
-              <a:buNone/>
-            </a:pPr>
-            <a:r>
-              <a:rPr lang="zh-CN" altLang="en-US" sz="5400" b="1" dirty="0" smtClean="0">
-                <a:solidFill>
-                  <a:srgbClr val="660033"/>
-                </a:solidFill>
-                <a:latin typeface="微軟正黑體" pitchFamily="34" charset="-120"/>
-                <a:ea typeface="微軟正黑體" pitchFamily="34" charset="-120"/>
-                <a:cs typeface="+mj-cs"/>
-              </a:rPr>
-              <a:t>稱謝到底</a:t>
-            </a:r>
-            <a:endParaRPr lang="zh-TW" altLang="en-US" sz="5400" b="1" dirty="0">
-              <a:solidFill>
-                <a:srgbClr val="660033"/>
-              </a:solidFill>
-              <a:latin typeface="微軟正黑體" pitchFamily="34" charset="-120"/>
-              <a:ea typeface="微軟正黑體" pitchFamily="34" charset="-120"/>
-              <a:cs typeface="+mj-cs"/>
             </a:endParaRPr>
           </a:p>
         </p:txBody>
